--- a/Arquivos/Defesa TC/Apresentação2.pptx
+++ b/Arquivos/Defesa TC/Apresentação2.pptx
@@ -213,7 +213,7 @@
           <a:p>
             <a:fld id="{8F0EA181-C95A-4820-9B4A-7E2D26FAA456}" type="datetimeFigureOut">
               <a:rPr lang="pt-BR" smtClean="0"/>
-              <a:t>28/11/2024</a:t>
+              <a:t>02/12/2024</a:t>
             </a:fld>
             <a:endParaRPr lang="pt-BR"/>
           </a:p>
@@ -627,7 +627,7 @@
           <a:p>
             <a:fld id="{374BC951-4447-40D7-B004-BFF809381E9C}" type="datetimeFigureOut">
               <a:rPr lang="pt-BR" smtClean="0"/>
-              <a:t>28/11/2024</a:t>
+              <a:t>02/12/2024</a:t>
             </a:fld>
             <a:endParaRPr lang="pt-BR"/>
           </a:p>
@@ -825,7 +825,7 @@
           <a:p>
             <a:fld id="{374BC951-4447-40D7-B004-BFF809381E9C}" type="datetimeFigureOut">
               <a:rPr lang="pt-BR" smtClean="0"/>
-              <a:t>28/11/2024</a:t>
+              <a:t>02/12/2024</a:t>
             </a:fld>
             <a:endParaRPr lang="pt-BR"/>
           </a:p>
@@ -1033,7 +1033,7 @@
           <a:p>
             <a:fld id="{374BC951-4447-40D7-B004-BFF809381E9C}" type="datetimeFigureOut">
               <a:rPr lang="pt-BR" smtClean="0"/>
-              <a:t>28/11/2024</a:t>
+              <a:t>02/12/2024</a:t>
             </a:fld>
             <a:endParaRPr lang="pt-BR"/>
           </a:p>
@@ -1231,7 +1231,7 @@
           <a:p>
             <a:fld id="{374BC951-4447-40D7-B004-BFF809381E9C}" type="datetimeFigureOut">
               <a:rPr lang="pt-BR" smtClean="0"/>
-              <a:t>28/11/2024</a:t>
+              <a:t>02/12/2024</a:t>
             </a:fld>
             <a:endParaRPr lang="pt-BR"/>
           </a:p>
@@ -1506,7 +1506,7 @@
           <a:p>
             <a:fld id="{374BC951-4447-40D7-B004-BFF809381E9C}" type="datetimeFigureOut">
               <a:rPr lang="pt-BR" smtClean="0"/>
-              <a:t>28/11/2024</a:t>
+              <a:t>02/12/2024</a:t>
             </a:fld>
             <a:endParaRPr lang="pt-BR"/>
           </a:p>
@@ -1771,7 +1771,7 @@
           <a:p>
             <a:fld id="{374BC951-4447-40D7-B004-BFF809381E9C}" type="datetimeFigureOut">
               <a:rPr lang="pt-BR" smtClean="0"/>
-              <a:t>28/11/2024</a:t>
+              <a:t>02/12/2024</a:t>
             </a:fld>
             <a:endParaRPr lang="pt-BR"/>
           </a:p>
@@ -2183,7 +2183,7 @@
           <a:p>
             <a:fld id="{374BC951-4447-40D7-B004-BFF809381E9C}" type="datetimeFigureOut">
               <a:rPr lang="pt-BR" smtClean="0"/>
-              <a:t>28/11/2024</a:t>
+              <a:t>02/12/2024</a:t>
             </a:fld>
             <a:endParaRPr lang="pt-BR"/>
           </a:p>
@@ -2324,7 +2324,7 @@
           <a:p>
             <a:fld id="{374BC951-4447-40D7-B004-BFF809381E9C}" type="datetimeFigureOut">
               <a:rPr lang="pt-BR" smtClean="0"/>
-              <a:t>28/11/2024</a:t>
+              <a:t>02/12/2024</a:t>
             </a:fld>
             <a:endParaRPr lang="pt-BR"/>
           </a:p>
@@ -2437,7 +2437,7 @@
           <a:p>
             <a:fld id="{374BC951-4447-40D7-B004-BFF809381E9C}" type="datetimeFigureOut">
               <a:rPr lang="pt-BR" smtClean="0"/>
-              <a:t>28/11/2024</a:t>
+              <a:t>02/12/2024</a:t>
             </a:fld>
             <a:endParaRPr lang="pt-BR"/>
           </a:p>
@@ -2748,7 +2748,7 @@
           <a:p>
             <a:fld id="{374BC951-4447-40D7-B004-BFF809381E9C}" type="datetimeFigureOut">
               <a:rPr lang="pt-BR" smtClean="0"/>
-              <a:t>28/11/2024</a:t>
+              <a:t>02/12/2024</a:t>
             </a:fld>
             <a:endParaRPr lang="pt-BR"/>
           </a:p>
@@ -3036,7 +3036,7 @@
           <a:p>
             <a:fld id="{374BC951-4447-40D7-B004-BFF809381E9C}" type="datetimeFigureOut">
               <a:rPr lang="pt-BR" smtClean="0"/>
-              <a:t>28/11/2024</a:t>
+              <a:t>02/12/2024</a:t>
             </a:fld>
             <a:endParaRPr lang="pt-BR"/>
           </a:p>
@@ -3277,7 +3277,7 @@
           <a:p>
             <a:fld id="{374BC951-4447-40D7-B004-BFF809381E9C}" type="datetimeFigureOut">
               <a:rPr lang="pt-BR" smtClean="0"/>
-              <a:t>28/11/2024</a:t>
+              <a:t>02/12/2024</a:t>
             </a:fld>
             <a:endParaRPr lang="pt-BR"/>
           </a:p>
@@ -8961,7 +8961,7 @@
         <p:spPr>
           <a:xfrm>
             <a:off x="1353786" y="1699253"/>
-            <a:ext cx="9262754" cy="5293757"/>
+            <a:ext cx="5974114" cy="5693866"/>
           </a:xfrm>
           <a:prstGeom prst="rect">
             <a:avLst/>
@@ -8984,7 +8984,22 @@
                 <a:cs typeface="Arial" panose="020B0604020202020204" pitchFamily="34" charset="0"/>
                 <a:sym typeface="Wingdings" panose="05000000000000000000" pitchFamily="2" charset="2"/>
               </a:rPr>
-              <a:t>Cadastro de Clientes, Embarcações e Usuários</a:t>
+              <a:t>Cadastro de Clientes,</a:t>
+            </a:r>
+            <a:br>
+              <a:rPr lang="pt-BR" sz="2600" dirty="0">
+                <a:latin typeface="Arial" panose="020B0604020202020204" pitchFamily="34" charset="0"/>
+                <a:cs typeface="Arial" panose="020B0604020202020204" pitchFamily="34" charset="0"/>
+                <a:sym typeface="Wingdings" panose="05000000000000000000" pitchFamily="2" charset="2"/>
+              </a:rPr>
+            </a:br>
+            <a:r>
+              <a:rPr lang="pt-BR" sz="2600" dirty="0">
+                <a:latin typeface="Arial" panose="020B0604020202020204" pitchFamily="34" charset="0"/>
+                <a:cs typeface="Arial" panose="020B0604020202020204" pitchFamily="34" charset="0"/>
+                <a:sym typeface="Wingdings" panose="05000000000000000000" pitchFamily="2" charset="2"/>
+              </a:rPr>
+              <a:t>Embarcações e Usuários</a:t>
             </a:r>
           </a:p>
           <a:p>
@@ -9034,7 +9049,22 @@
                 <a:cs typeface="Arial" panose="020B0604020202020204" pitchFamily="34" charset="0"/>
                 <a:sym typeface="Wingdings" panose="05000000000000000000" pitchFamily="2" charset="2"/>
               </a:rPr>
-              <a:t>Geração dos documentos conforme as NORMAM</a:t>
+              <a:t>Geração dos documentos</a:t>
+            </a:r>
+            <a:br>
+              <a:rPr lang="pt-BR" sz="2600" dirty="0">
+                <a:latin typeface="Arial" panose="020B0604020202020204" pitchFamily="34" charset="0"/>
+                <a:cs typeface="Arial" panose="020B0604020202020204" pitchFamily="34" charset="0"/>
+                <a:sym typeface="Wingdings" panose="05000000000000000000" pitchFamily="2" charset="2"/>
+              </a:rPr>
+            </a:br>
+            <a:r>
+              <a:rPr lang="pt-BR" sz="2600" dirty="0">
+                <a:latin typeface="Arial" panose="020B0604020202020204" pitchFamily="34" charset="0"/>
+                <a:cs typeface="Arial" panose="020B0604020202020204" pitchFamily="34" charset="0"/>
+                <a:sym typeface="Wingdings" panose="05000000000000000000" pitchFamily="2" charset="2"/>
+              </a:rPr>
+              <a:t>conforme as NORMAM</a:t>
             </a:r>
           </a:p>
           <a:p>
@@ -9059,33 +9089,53 @@
                 <a:cs typeface="Arial" panose="020B0604020202020204" pitchFamily="34" charset="0"/>
                 <a:sym typeface="Wingdings" panose="05000000000000000000" pitchFamily="2" charset="2"/>
               </a:rPr>
-              <a:t>Anexo 2D (BSADE – Boletim Simplificado de Atualização de Dados de Embarcação)</a:t>
+              <a:t>Anexo 2-D </a:t>
             </a:r>
-          </a:p>
-          <a:p>
-            <a:pPr marL="914400" lvl="1" indent="-457200">
-              <a:buFont typeface="Wingdings" panose="05000000000000000000" pitchFamily="2" charset="2"/>
-              <a:buChar char="à"/>
-            </a:pPr>
+            <a:br>
+              <a:rPr lang="pt-BR" sz="2600" dirty="0">
+                <a:latin typeface="Arial" panose="020B0604020202020204" pitchFamily="34" charset="0"/>
+                <a:cs typeface="Arial" panose="020B0604020202020204" pitchFamily="34" charset="0"/>
+                <a:sym typeface="Wingdings" panose="05000000000000000000" pitchFamily="2" charset="2"/>
+              </a:rPr>
+            </a:br>
             <a:r>
               <a:rPr lang="pt-BR" sz="2600" dirty="0">
                 <a:latin typeface="Arial" panose="020B0604020202020204" pitchFamily="34" charset="0"/>
                 <a:cs typeface="Arial" panose="020B0604020202020204" pitchFamily="34" charset="0"/>
                 <a:sym typeface="Wingdings" panose="05000000000000000000" pitchFamily="2" charset="2"/>
               </a:rPr>
-              <a:t>Anexos 2E, 3A e 5H (Requerimentos de Emissão, Renovação ou Transferência)</a:t>
+              <a:t>(BSADE – Boletim Simplificado</a:t>
             </a:r>
-          </a:p>
-          <a:p>
-            <a:pPr marL="914400" lvl="1" indent="-457200">
-              <a:buFont typeface="Wingdings" panose="05000000000000000000" pitchFamily="2" charset="2"/>
-              <a:buChar char="à"/>
-            </a:pPr>
-            <a:endParaRPr lang="pt-BR" sz="2600" dirty="0">
-              <a:latin typeface="Arial" panose="020B0604020202020204" pitchFamily="34" charset="0"/>
-              <a:cs typeface="Arial" panose="020B0604020202020204" pitchFamily="34" charset="0"/>
-              <a:sym typeface="Wingdings" panose="05000000000000000000" pitchFamily="2" charset="2"/>
-            </a:endParaRPr>
+            <a:br>
+              <a:rPr lang="pt-BR" sz="2600" dirty="0">
+                <a:latin typeface="Arial" panose="020B0604020202020204" pitchFamily="34" charset="0"/>
+                <a:cs typeface="Arial" panose="020B0604020202020204" pitchFamily="34" charset="0"/>
+                <a:sym typeface="Wingdings" panose="05000000000000000000" pitchFamily="2" charset="2"/>
+              </a:rPr>
+            </a:br>
+            <a:r>
+              <a:rPr lang="pt-BR" sz="2600" dirty="0">
+                <a:latin typeface="Arial" panose="020B0604020202020204" pitchFamily="34" charset="0"/>
+                <a:cs typeface="Arial" panose="020B0604020202020204" pitchFamily="34" charset="0"/>
+                <a:sym typeface="Wingdings" panose="05000000000000000000" pitchFamily="2" charset="2"/>
+              </a:rPr>
+              <a:t>de Atualização de Dados</a:t>
+            </a:r>
+            <a:br>
+              <a:rPr lang="pt-BR" sz="2600" dirty="0">
+                <a:latin typeface="Arial" panose="020B0604020202020204" pitchFamily="34" charset="0"/>
+                <a:cs typeface="Arial" panose="020B0604020202020204" pitchFamily="34" charset="0"/>
+                <a:sym typeface="Wingdings" panose="05000000000000000000" pitchFamily="2" charset="2"/>
+              </a:rPr>
+            </a:br>
+            <a:r>
+              <a:rPr lang="pt-BR" sz="2600" dirty="0">
+                <a:latin typeface="Arial" panose="020B0604020202020204" pitchFamily="34" charset="0"/>
+                <a:cs typeface="Arial" panose="020B0604020202020204" pitchFamily="34" charset="0"/>
+                <a:sym typeface="Wingdings" panose="05000000000000000000" pitchFamily="2" charset="2"/>
+              </a:rPr>
+              <a:t>de Embarcação)</a:t>
+            </a:r>
           </a:p>
           <a:p>
             <a:pPr marL="457200" indent="-457200">
@@ -9111,6 +9161,42 @@
           </a:p>
         </p:txBody>
       </p:sp>
+      <p:pic>
+        <p:nvPicPr>
+          <p:cNvPr id="9" name="Imagem 8" descr="Tabela&#10;&#10;Descrição gerada automaticamente">
+            <a:extLst>
+              <a:ext uri="{FF2B5EF4-FFF2-40B4-BE49-F238E27FC236}">
+                <a16:creationId xmlns:a16="http://schemas.microsoft.com/office/drawing/2014/main" id="{E7EA5D7D-36A0-3F36-840E-8026BB6D6D1C}"/>
+              </a:ext>
+            </a:extLst>
+          </p:cNvPr>
+          <p:cNvPicPr>
+            <a:picLocks noChangeAspect="1"/>
+          </p:cNvPicPr>
+          <p:nvPr/>
+        </p:nvPicPr>
+        <p:blipFill>
+          <a:blip r:embed="rId4">
+            <a:extLst>
+              <a:ext uri="{28A0092B-C50C-407E-A947-70E740481C1C}">
+                <a14:useLocalDpi xmlns:a14="http://schemas.microsoft.com/office/drawing/2010/main" val="0"/>
+              </a:ext>
+            </a:extLst>
+          </a:blip>
+          <a:stretch>
+            <a:fillRect/>
+          </a:stretch>
+        </p:blipFill>
+        <p:spPr>
+          <a:xfrm>
+            <a:off x="7538465" y="922842"/>
+            <a:ext cx="3529719" cy="4991666"/>
+          </a:xfrm>
+          <a:prstGeom prst="rect">
+            <a:avLst/>
+          </a:prstGeom>
+        </p:spPr>
+      </p:pic>
     </p:spTree>
     <p:extLst>
       <p:ext uri="{BB962C8B-B14F-4D97-AF65-F5344CB8AC3E}">
